--- a/Slides/A3_Usabilidade.pptx
+++ b/Slides/A3_Usabilidade.pptx
@@ -2890,7 +2890,7 @@
           <a:p>
             <a:fld id="{646BA644-3606-4EE0-81D0-5DA05238F9C1}" type="datetimeFigureOut">
               <a:rPr lang="pt-BR" smtClean="0"/>
-              <a:t>14/06/2023</a:t>
+              <a:t>16/06/2023</a:t>
             </a:fld>
             <a:endParaRPr lang="pt-BR"/>
           </a:p>
@@ -3060,7 +3060,7 @@
           <a:p>
             <a:fld id="{646BA644-3606-4EE0-81D0-5DA05238F9C1}" type="datetimeFigureOut">
               <a:rPr lang="pt-BR" smtClean="0"/>
-              <a:t>14/06/2023</a:t>
+              <a:t>16/06/2023</a:t>
             </a:fld>
             <a:endParaRPr lang="pt-BR"/>
           </a:p>
@@ -3240,7 +3240,7 @@
           <a:p>
             <a:fld id="{646BA644-3606-4EE0-81D0-5DA05238F9C1}" type="datetimeFigureOut">
               <a:rPr lang="pt-BR" smtClean="0"/>
-              <a:t>14/06/2023</a:t>
+              <a:t>16/06/2023</a:t>
             </a:fld>
             <a:endParaRPr lang="pt-BR"/>
           </a:p>
@@ -3410,7 +3410,7 @@
           <a:p>
             <a:fld id="{646BA644-3606-4EE0-81D0-5DA05238F9C1}" type="datetimeFigureOut">
               <a:rPr lang="pt-BR" smtClean="0"/>
-              <a:t>14/06/2023</a:t>
+              <a:t>16/06/2023</a:t>
             </a:fld>
             <a:endParaRPr lang="pt-BR"/>
           </a:p>
@@ -3656,7 +3656,7 @@
           <a:p>
             <a:fld id="{646BA644-3606-4EE0-81D0-5DA05238F9C1}" type="datetimeFigureOut">
               <a:rPr lang="pt-BR" smtClean="0"/>
-              <a:t>14/06/2023</a:t>
+              <a:t>16/06/2023</a:t>
             </a:fld>
             <a:endParaRPr lang="pt-BR"/>
           </a:p>
@@ -3888,7 +3888,7 @@
           <a:p>
             <a:fld id="{646BA644-3606-4EE0-81D0-5DA05238F9C1}" type="datetimeFigureOut">
               <a:rPr lang="pt-BR" smtClean="0"/>
-              <a:t>14/06/2023</a:t>
+              <a:t>16/06/2023</a:t>
             </a:fld>
             <a:endParaRPr lang="pt-BR"/>
           </a:p>
@@ -4255,7 +4255,7 @@
           <a:p>
             <a:fld id="{646BA644-3606-4EE0-81D0-5DA05238F9C1}" type="datetimeFigureOut">
               <a:rPr lang="pt-BR" smtClean="0"/>
-              <a:t>14/06/2023</a:t>
+              <a:t>16/06/2023</a:t>
             </a:fld>
             <a:endParaRPr lang="pt-BR"/>
           </a:p>
@@ -4373,7 +4373,7 @@
           <a:p>
             <a:fld id="{646BA644-3606-4EE0-81D0-5DA05238F9C1}" type="datetimeFigureOut">
               <a:rPr lang="pt-BR" smtClean="0"/>
-              <a:t>14/06/2023</a:t>
+              <a:t>16/06/2023</a:t>
             </a:fld>
             <a:endParaRPr lang="pt-BR"/>
           </a:p>
@@ -4468,7 +4468,7 @@
           <a:p>
             <a:fld id="{646BA644-3606-4EE0-81D0-5DA05238F9C1}" type="datetimeFigureOut">
               <a:rPr lang="pt-BR" smtClean="0"/>
-              <a:t>14/06/2023</a:t>
+              <a:t>16/06/2023</a:t>
             </a:fld>
             <a:endParaRPr lang="pt-BR"/>
           </a:p>
@@ -4745,7 +4745,7 @@
           <a:p>
             <a:fld id="{646BA644-3606-4EE0-81D0-5DA05238F9C1}" type="datetimeFigureOut">
               <a:rPr lang="pt-BR" smtClean="0"/>
-              <a:t>14/06/2023</a:t>
+              <a:t>16/06/2023</a:t>
             </a:fld>
             <a:endParaRPr lang="pt-BR"/>
           </a:p>
@@ -5002,7 +5002,7 @@
           <a:p>
             <a:fld id="{646BA644-3606-4EE0-81D0-5DA05238F9C1}" type="datetimeFigureOut">
               <a:rPr lang="pt-BR" smtClean="0"/>
-              <a:t>14/06/2023</a:t>
+              <a:t>16/06/2023</a:t>
             </a:fld>
             <a:endParaRPr lang="pt-BR"/>
           </a:p>
@@ -5215,7 +5215,7 @@
           <a:p>
             <a:fld id="{646BA644-3606-4EE0-81D0-5DA05238F9C1}" type="datetimeFigureOut">
               <a:rPr lang="pt-BR" smtClean="0"/>
-              <a:t>14/06/2023</a:t>
+              <a:t>16/06/2023</a:t>
             </a:fld>
             <a:endParaRPr lang="pt-BR"/>
           </a:p>
@@ -11616,7 +11616,7 @@
         <p:spPr>
           <a:xfrm>
             <a:off x="177464" y="1459231"/>
-            <a:ext cx="4655128" cy="3139321"/>
+            <a:ext cx="4655128" cy="2308324"/>
           </a:xfrm>
           <a:prstGeom prst="rect">
             <a:avLst/>
@@ -11878,74 +11878,6 @@
                 <a:uFillTx/>
               </a:defRPr>
             </a:pPr>
-            <a:endParaRPr lang="pt-BR" sz="1800" b="0" i="0" u="none" strike="noStrike" kern="1200" cap="none" spc="0" baseline="0" dirty="0">
-              <a:solidFill>
-                <a:srgbClr val="FFFFFF"/>
-              </a:solidFill>
-              <a:uFillTx/>
-              <a:latin typeface="Biome"/>
-              <a:cs typeface="Biome"/>
-            </a:endParaRPr>
-          </a:p>
-          <a:p>
-            <a:pPr marR="0" lvl="0" algn="l" defTabSz="914400" rtl="0" fontAlgn="auto" hangingPunct="1">
-              <a:lnSpc>
-                <a:spcPct val="100000"/>
-              </a:lnSpc>
-              <a:spcBef>
-                <a:spcPts val="0"/>
-              </a:spcBef>
-              <a:spcAft>
-                <a:spcPts val="0"/>
-              </a:spcAft>
-              <a:tabLst/>
-              <a:defRPr sz="1800" b="0" i="0" u="none" strike="noStrike" kern="0" cap="none" spc="0" baseline="0">
-                <a:solidFill>
-                  <a:srgbClr val="000000"/>
-                </a:solidFill>
-                <a:uFillTx/>
-              </a:defRPr>
-            </a:pPr>
-            <a:endParaRPr lang="pt-BR" sz="1800" b="0" i="0" u="none" strike="noStrike" kern="1200" cap="none" spc="0" baseline="0" dirty="0">
-              <a:solidFill>
-                <a:srgbClr val="FFFFFF"/>
-              </a:solidFill>
-              <a:uFillTx/>
-              <a:latin typeface="Biome"/>
-              <a:cs typeface="Biome"/>
-            </a:endParaRPr>
-          </a:p>
-          <a:p>
-            <a:pPr marL="285750" marR="0" lvl="0" indent="-285750" algn="l" defTabSz="914400" rtl="0" fontAlgn="auto" hangingPunct="1">
-              <a:lnSpc>
-                <a:spcPct val="100000"/>
-              </a:lnSpc>
-              <a:spcBef>
-                <a:spcPts val="0"/>
-              </a:spcBef>
-              <a:spcAft>
-                <a:spcPts val="0"/>
-              </a:spcAft>
-              <a:buFont typeface="Arial" panose="020B0604020202020204" pitchFamily="34" charset="0"/>
-              <a:buChar char="•"/>
-              <a:tabLst/>
-              <a:defRPr sz="1800" b="0" i="0" u="none" strike="noStrike" kern="0" cap="none" spc="0" baseline="0">
-                <a:solidFill>
-                  <a:srgbClr val="000000"/>
-                </a:solidFill>
-                <a:uFillTx/>
-              </a:defRPr>
-            </a:pPr>
-            <a:r>
-              <a:rPr lang="pt-BR" dirty="0">
-                <a:solidFill>
-                  <a:srgbClr val="FFFFFF"/>
-                </a:solidFill>
-                <a:latin typeface="Biome"/>
-                <a:cs typeface="Biome"/>
-              </a:rPr>
-              <a:t>Justificativa da escolha das tecnologias;</a:t>
-            </a:r>
             <a:endParaRPr lang="pt-BR" sz="1800" b="0" i="0" u="none" strike="noStrike" kern="1200" cap="none" spc="0" baseline="0" dirty="0">
               <a:solidFill>
                 <a:srgbClr val="FFFFFF"/>
